--- a/PPTs/00 Introduction.pptx
+++ b/PPTs/00 Introduction.pptx
@@ -5,17 +5,18 @@
     <p:sldMasterId id="2147483672" r:id="rId1"/>
   </p:sldMasterIdLst>
   <p:notesMasterIdLst>
-    <p:notesMasterId r:id="rId10"/>
+    <p:notesMasterId r:id="rId11"/>
   </p:notesMasterIdLst>
   <p:sldIdLst>
     <p:sldId id="256" r:id="rId2"/>
     <p:sldId id="257" r:id="rId3"/>
     <p:sldId id="264" r:id="rId4"/>
-    <p:sldId id="259" r:id="rId5"/>
-    <p:sldId id="258" r:id="rId6"/>
-    <p:sldId id="262" r:id="rId7"/>
-    <p:sldId id="263" r:id="rId8"/>
-    <p:sldId id="265" r:id="rId9"/>
+    <p:sldId id="266" r:id="rId5"/>
+    <p:sldId id="259" r:id="rId6"/>
+    <p:sldId id="258" r:id="rId7"/>
+    <p:sldId id="262" r:id="rId8"/>
+    <p:sldId id="263" r:id="rId9"/>
+    <p:sldId id="265" r:id="rId10"/>
   </p:sldIdLst>
   <p:sldSz cx="9144000" cy="6858000" type="screen4x3"/>
   <p:notesSz cx="6858000" cy="9144000"/>
@@ -727,7 +728,7 @@
             <a:fld id="{87C88033-AD80-4586-9B6C-183FD2A4A83C}" type="slidenum">
               <a:rPr lang="en-US" smtClean="0"/>
               <a:pPr/>
-              <a:t>7</a:t>
+              <a:t>8</a:t>
             </a:fld>
             <a:endParaRPr lang="en-US"/>
           </a:p>
@@ -4835,7 +4836,7 @@
     </p:spTree>
     <p:extLst>
       <p:ext uri="{BB962C8B-B14F-4D97-AF65-F5344CB8AC3E}">
-        <p14:creationId xmlns:p14="http://schemas.microsoft.com/office/powerpoint/2010/main" val="1630370970"/>
+        <p14:creationId xmlns:p14="http://schemas.microsoft.com/office/powerpoint/2010/main" val="1897317935"/>
       </p:ext>
     </p:extLst>
   </p:cSld>
@@ -4864,7 +4865,13 @@
       </p:grpSpPr>
       <p:sp>
         <p:nvSpPr>
-          <p:cNvPr id="2" name="כותרת 1"/>
+          <p:cNvPr id="2" name="Title 1">
+            <a:extLst>
+              <a:ext uri="{FF2B5EF4-FFF2-40B4-BE49-F238E27FC236}">
+                <a16:creationId xmlns:a16="http://schemas.microsoft.com/office/drawing/2014/main" id="{A0D48DE3-B350-4FBD-929D-E7612A7487E9}"/>
+              </a:ext>
+            </a:extLst>
+          </p:cNvPr>
           <p:cNvSpPr>
             <a:spLocks noGrp="1"/>
           </p:cNvSpPr>
@@ -4879,19 +4886,26 @@
           <a:p>
             <a:r>
               <a:rPr lang="en-US" dirty="0"/>
-              <a:t>Prerequisites</a:t>
-            </a:r>
-          </a:p>
-        </p:txBody>
-      </p:sp>
-      <p:sp>
-        <p:nvSpPr>
-          <p:cNvPr id="3" name="מציין מיקום תוכן 2"/>
-          <p:cNvSpPr>
-            <a:spLocks noGrp="1"/>
-          </p:cNvSpPr>
-          <p:nvPr>
-            <p:ph sz="quarter" idx="1"/>
+              <a:t>Other Aspects</a:t>
+            </a:r>
+            <a:endParaRPr lang="he-IL" dirty="0"/>
+          </a:p>
+        </p:txBody>
+      </p:sp>
+      <p:sp>
+        <p:nvSpPr>
+          <p:cNvPr id="3" name="Footer Placeholder 2">
+            <a:extLst>
+              <a:ext uri="{FF2B5EF4-FFF2-40B4-BE49-F238E27FC236}">
+                <a16:creationId xmlns:a16="http://schemas.microsoft.com/office/drawing/2014/main" id="{018694F6-BFBC-4AD0-8E9C-A5D35D47A431}"/>
+              </a:ext>
+            </a:extLst>
+          </p:cNvPr>
+          <p:cNvSpPr>
+            <a:spLocks noGrp="1"/>
+          </p:cNvSpPr>
+          <p:nvPr>
+            <p:ph type="ftr" sz="quarter" idx="11"/>
           </p:nvPr>
         </p:nvSpPr>
         <p:spPr/>
@@ -4900,33 +4914,22 @@
           <a:lstStyle/>
           <a:p>
             <a:r>
-              <a:rPr lang="en-US" dirty="0"/>
-              <a:t>Good understanding of HTML and HTTP</a:t>
-            </a:r>
-          </a:p>
-          <a:p>
-            <a:r>
-              <a:rPr lang="en-US" dirty="0"/>
-              <a:t>Object oriented programming experience</a:t>
-            </a:r>
-          </a:p>
-          <a:p>
-            <a:r>
-              <a:rPr lang="en-US" dirty="0"/>
-              <a:t>Be familiar with JavaScript</a:t>
-            </a:r>
-          </a:p>
-          <a:p>
-            <a:r>
-              <a:rPr lang="en-US" dirty="0"/>
-              <a:t>No server side web development experience is required</a:t>
-            </a:r>
-          </a:p>
-        </p:txBody>
-      </p:sp>
-      <p:sp>
-        <p:nvSpPr>
-          <p:cNvPr id="6" name="מציין מיקום של מספר שקופית 5"/>
+              <a:rPr lang="en-US"/>
+              <a:t>© 2017 Ori Calvo</a:t>
+            </a:r>
+            <a:endParaRPr lang="en-US" dirty="0"/>
+          </a:p>
+        </p:txBody>
+      </p:sp>
+      <p:sp>
+        <p:nvSpPr>
+          <p:cNvPr id="4" name="Slide Number Placeholder 3">
+            <a:extLst>
+              <a:ext uri="{FF2B5EF4-FFF2-40B4-BE49-F238E27FC236}">
+                <a16:creationId xmlns:a16="http://schemas.microsoft.com/office/drawing/2014/main" id="{37937DC5-370C-4BE3-B426-EC82F3A5452A}"/>
+              </a:ext>
+            </a:extLst>
+          </p:cNvPr>
           <p:cNvSpPr>
             <a:spLocks noGrp="1"/>
           </p:cNvSpPr>
@@ -4952,28 +4955,128 @@
       </p:sp>
       <p:sp>
         <p:nvSpPr>
-          <p:cNvPr id="4" name="Footer Placeholder 3"/>
-          <p:cNvSpPr>
-            <a:spLocks noGrp="1"/>
-          </p:cNvSpPr>
-          <p:nvPr>
-            <p:ph type="ftr" sz="quarter" idx="11"/>
+          <p:cNvPr id="5" name="Content Placeholder 4">
+            <a:extLst>
+              <a:ext uri="{FF2B5EF4-FFF2-40B4-BE49-F238E27FC236}">
+                <a16:creationId xmlns:a16="http://schemas.microsoft.com/office/drawing/2014/main" id="{F1D07337-F8DC-4472-8F4A-428330B18526}"/>
+              </a:ext>
+            </a:extLst>
+          </p:cNvPr>
+          <p:cNvSpPr>
+            <a:spLocks noGrp="1"/>
+          </p:cNvSpPr>
+          <p:nvPr>
+            <p:ph sz="quarter" idx="1"/>
           </p:nvPr>
         </p:nvSpPr>
         <p:spPr/>
         <p:txBody>
-          <a:bodyPr/>
-          <a:lstStyle/>
-          <a:p>
-            <a:r>
-              <a:rPr lang="en-US"/>
-              <a:t>© 2017 Ori Calvo</a:t>
+          <a:bodyPr>
+            <a:normAutofit fontScale="55000" lnSpcReduction="20000"/>
+          </a:bodyPr>
+          <a:lstStyle/>
+          <a:p>
+            <a:r>
+              <a:rPr lang="en-US" dirty="0"/>
+              <a:t>Unidirectional data flow</a:t>
+            </a:r>
+          </a:p>
+          <a:p>
+            <a:r>
+              <a:rPr lang="en-US" dirty="0"/>
+              <a:t>SSR</a:t>
+            </a:r>
+          </a:p>
+          <a:p>
+            <a:r>
+              <a:rPr lang="en-US" dirty="0"/>
+              <a:t>Web workers</a:t>
+            </a:r>
+          </a:p>
+          <a:p>
+            <a:r>
+              <a:rPr lang="en-US" dirty="0"/>
+              <a:t>Native development</a:t>
+            </a:r>
+          </a:p>
+          <a:p>
+            <a:r>
+              <a:rPr lang="en-US" dirty="0"/>
+              <a:t>Views compilation</a:t>
+            </a:r>
+          </a:p>
+          <a:p>
+            <a:r>
+              <a:rPr lang="en-US" dirty="0"/>
+              <a:t>Dependency injection</a:t>
+            </a:r>
+          </a:p>
+          <a:p>
+            <a:r>
+              <a:rPr lang="en-US" dirty="0"/>
+              <a:t>Scoped CSS</a:t>
+            </a:r>
+          </a:p>
+          <a:p>
+            <a:r>
+              <a:rPr lang="en-US" dirty="0"/>
+              <a:t>HMR</a:t>
+            </a:r>
+          </a:p>
+          <a:p>
+            <a:r>
+              <a:rPr lang="en-US" dirty="0"/>
+              <a:t>Routing</a:t>
+            </a:r>
+          </a:p>
+          <a:p>
+            <a:r>
+              <a:rPr lang="en-US" dirty="0"/>
+              <a:t>Templating language</a:t>
+            </a:r>
+          </a:p>
+          <a:p>
+            <a:r>
+              <a:rPr lang="en-US" dirty="0"/>
+              <a:t>Licensing</a:t>
+            </a:r>
+          </a:p>
+          <a:p>
+            <a:r>
+              <a:rPr lang="en-US" dirty="0"/>
+              <a:t>Browser support</a:t>
+            </a:r>
+          </a:p>
+          <a:p>
+            <a:r>
+              <a:rPr lang="en-US" dirty="0"/>
+              <a:t>Rendering optimization</a:t>
+            </a:r>
+          </a:p>
+          <a:p>
+            <a:r>
+              <a:rPr lang="en-US" dirty="0"/>
+              <a:t>Tooling support (linting, type checking)</a:t>
+            </a:r>
+          </a:p>
+          <a:p>
+            <a:r>
+              <a:rPr lang="en-US" dirty="0" err="1"/>
+              <a:t>DevTools</a:t>
             </a:r>
             <a:endParaRPr lang="en-US" dirty="0"/>
           </a:p>
+          <a:p>
+            <a:endParaRPr lang="he-IL" dirty="0"/>
+          </a:p>
         </p:txBody>
       </p:sp>
     </p:spTree>
+    <p:extLst>
+      <p:ext uri="{BB962C8B-B14F-4D97-AF65-F5344CB8AC3E}">
+        <p14:creationId xmlns:p14="http://schemas.microsoft.com/office/powerpoint/2010/main" val="1929188504"/>
+      </p:ext>
+    </p:extLst>
   </p:cSld>
   <p:clrMapOvr>
     <a:masterClrMapping/>
@@ -5015,7 +5118,7 @@
           <a:p>
             <a:r>
               <a:rPr lang="en-US" dirty="0"/>
-              <a:t>Content</a:t>
+              <a:t>Prerequisites</a:t>
             </a:r>
           </a:p>
         </p:txBody>
@@ -5032,33 +5135,31 @@
         </p:nvSpPr>
         <p:spPr/>
         <p:txBody>
-          <a:bodyPr>
-            <a:normAutofit/>
-          </a:bodyPr>
+          <a:bodyPr/>
           <a:lstStyle/>
           <a:p>
             <a:r>
               <a:rPr lang="en-US" dirty="0"/>
-              <a:t>Angular</a:t>
+              <a:t>Good understanding of HTML and HTTP</a:t>
             </a:r>
           </a:p>
           <a:p>
             <a:r>
               <a:rPr lang="en-US" dirty="0"/>
-              <a:t>React</a:t>
+              <a:t>Object oriented programming experience</a:t>
             </a:r>
           </a:p>
           <a:p>
             <a:r>
               <a:rPr lang="en-US" dirty="0"/>
-              <a:t>Vue</a:t>
-            </a:r>
-          </a:p>
-          <a:p>
-            <a:pPr marL="0" indent="0">
-              <a:buNone/>
-            </a:pPr>
-            <a:endParaRPr lang="en-US" dirty="0"/>
+              <a:t>Be familiar with JavaScript</a:t>
+            </a:r>
+          </a:p>
+          <a:p>
+            <a:r>
+              <a:rPr lang="en-US" dirty="0"/>
+              <a:t>No server side web development experience is required</a:t>
+            </a:r>
           </a:p>
         </p:txBody>
       </p:sp>
@@ -5138,7 +5239,7 @@
       </p:grpSpPr>
       <p:sp>
         <p:nvSpPr>
-          <p:cNvPr id="2" name="Title 1"/>
+          <p:cNvPr id="2" name="כותרת 1"/>
           <p:cNvSpPr>
             <a:spLocks noGrp="1"/>
           </p:cNvSpPr>
@@ -5153,37 +5254,56 @@
           <a:p>
             <a:r>
               <a:rPr lang="en-US" dirty="0"/>
-              <a:t>Few words about myself …</a:t>
-            </a:r>
-          </a:p>
-        </p:txBody>
-      </p:sp>
-      <p:sp>
-        <p:nvSpPr>
-          <p:cNvPr id="3" name="Footer Placeholder 2"/>
-          <p:cNvSpPr>
-            <a:spLocks noGrp="1"/>
-          </p:cNvSpPr>
-          <p:nvPr>
-            <p:ph type="ftr" sz="quarter" idx="11"/>
+              <a:t>Content</a:t>
+            </a:r>
+          </a:p>
+        </p:txBody>
+      </p:sp>
+      <p:sp>
+        <p:nvSpPr>
+          <p:cNvPr id="3" name="מציין מיקום תוכן 2"/>
+          <p:cNvSpPr>
+            <a:spLocks noGrp="1"/>
+          </p:cNvSpPr>
+          <p:nvPr>
+            <p:ph sz="quarter" idx="1"/>
           </p:nvPr>
         </p:nvSpPr>
         <p:spPr/>
         <p:txBody>
-          <a:bodyPr/>
-          <a:lstStyle/>
-          <a:p>
-            <a:r>
-              <a:rPr lang="en-US"/>
-              <a:t>© 2017 Ori Calvo</a:t>
-            </a:r>
+          <a:bodyPr>
+            <a:normAutofit/>
+          </a:bodyPr>
+          <a:lstStyle/>
+          <a:p>
+            <a:r>
+              <a:rPr lang="en-US" dirty="0"/>
+              <a:t>Angular</a:t>
+            </a:r>
+          </a:p>
+          <a:p>
+            <a:r>
+              <a:rPr lang="en-US" dirty="0"/>
+              <a:t>React</a:t>
+            </a:r>
+          </a:p>
+          <a:p>
+            <a:r>
+              <a:rPr lang="en-US" dirty="0"/>
+              <a:t>Vue</a:t>
+            </a:r>
+          </a:p>
+          <a:p>
+            <a:pPr marL="0" indent="0">
+              <a:buNone/>
+            </a:pPr>
             <a:endParaRPr lang="en-US" dirty="0"/>
           </a:p>
         </p:txBody>
       </p:sp>
       <p:sp>
         <p:nvSpPr>
-          <p:cNvPr id="4" name="Slide Number Placeholder 3"/>
+          <p:cNvPr id="6" name="מציין מיקום של מספר שקופית 5"/>
           <p:cNvSpPr>
             <a:spLocks noGrp="1"/>
           </p:cNvSpPr>
@@ -5209,12 +5329,12 @@
       </p:sp>
       <p:sp>
         <p:nvSpPr>
-          <p:cNvPr id="5" name="Content Placeholder 4"/>
-          <p:cNvSpPr>
-            <a:spLocks noGrp="1"/>
-          </p:cNvSpPr>
-          <p:nvPr>
-            <p:ph sz="quarter" idx="1"/>
+          <p:cNvPr id="4" name="Footer Placeholder 3"/>
+          <p:cNvSpPr>
+            <a:spLocks noGrp="1"/>
+          </p:cNvSpPr>
+          <p:nvPr>
+            <p:ph type="ftr" sz="quarter" idx="11"/>
           </p:nvPr>
         </p:nvSpPr>
         <p:spPr/>
@@ -5222,16 +5342,15 @@
           <a:bodyPr/>
           <a:lstStyle/>
           <a:p>
-            <a:endParaRPr lang="en-US"/>
+            <a:r>
+              <a:rPr lang="en-US"/>
+              <a:t>© 2017 Ori Calvo</a:t>
+            </a:r>
+            <a:endParaRPr lang="en-US" dirty="0"/>
           </a:p>
         </p:txBody>
       </p:sp>
     </p:spTree>
-    <p:extLst>
-      <p:ext uri="{BB962C8B-B14F-4D97-AF65-F5344CB8AC3E}">
-        <p14:creationId xmlns:p14="http://schemas.microsoft.com/office/powerpoint/2010/main" val="288780522"/>
-      </p:ext>
-    </p:extLst>
   </p:cSld>
   <p:clrMapOvr>
     <a:masterClrMapping/>
@@ -5258,42 +5377,83 @@
       </p:grpSpPr>
       <p:sp>
         <p:nvSpPr>
-          <p:cNvPr id="2" name="כותרת 1"/>
-          <p:cNvSpPr>
-            <a:spLocks noGrp="1"/>
-          </p:cNvSpPr>
-          <p:nvPr>
-            <p:ph type="ctrTitle"/>
-          </p:nvPr>
-        </p:nvSpPr>
-        <p:spPr>
-          <a:xfrm>
-            <a:off x="1115616" y="476672"/>
-            <a:ext cx="7560840" cy="3024336"/>
-          </a:xfrm>
-        </p:spPr>
+          <p:cNvPr id="2" name="Title 1"/>
+          <p:cNvSpPr>
+            <a:spLocks noGrp="1"/>
+          </p:cNvSpPr>
+          <p:nvPr>
+            <p:ph type="title"/>
+          </p:nvPr>
+        </p:nvSpPr>
+        <p:spPr/>
+        <p:txBody>
+          <a:bodyPr/>
+          <a:lstStyle/>
+          <a:p>
+            <a:r>
+              <a:rPr lang="en-US" dirty="0"/>
+              <a:t>Few words about myself …</a:t>
+            </a:r>
+          </a:p>
+        </p:txBody>
+      </p:sp>
+      <p:sp>
+        <p:nvSpPr>
+          <p:cNvPr id="3" name="Footer Placeholder 2"/>
+          <p:cNvSpPr>
+            <a:spLocks noGrp="1"/>
+          </p:cNvSpPr>
+          <p:nvPr>
+            <p:ph type="ftr" sz="quarter" idx="11"/>
+          </p:nvPr>
+        </p:nvSpPr>
+        <p:spPr/>
+        <p:txBody>
+          <a:bodyPr/>
+          <a:lstStyle/>
+          <a:p>
+            <a:r>
+              <a:rPr lang="en-US"/>
+              <a:t>© 2017 Ori Calvo</a:t>
+            </a:r>
+            <a:endParaRPr lang="en-US" dirty="0"/>
+          </a:p>
+        </p:txBody>
+      </p:sp>
+      <p:sp>
+        <p:nvSpPr>
+          <p:cNvPr id="4" name="Slide Number Placeholder 3"/>
+          <p:cNvSpPr>
+            <a:spLocks noGrp="1"/>
+          </p:cNvSpPr>
+          <p:nvPr>
+            <p:ph type="sldNum" sz="quarter" idx="12"/>
+          </p:nvPr>
+        </p:nvSpPr>
+        <p:spPr/>
         <p:txBody>
           <a:bodyPr>
-            <a:normAutofit/>
+            <a:normAutofit fontScale="85000" lnSpcReduction="20000"/>
           </a:bodyPr>
           <a:lstStyle/>
           <a:p>
-            <a:r>
-              <a:rPr lang="en-US" sz="4800" b="1" dirty="0"/>
-              <a:t>Questions ?</a:t>
-            </a:r>
-            <a:endParaRPr lang="en-US" sz="4800" dirty="0"/>
-          </a:p>
-        </p:txBody>
-      </p:sp>
-      <p:sp>
-        <p:nvSpPr>
-          <p:cNvPr id="4" name="Subtitle 3"/>
-          <p:cNvSpPr>
-            <a:spLocks noGrp="1"/>
-          </p:cNvSpPr>
-          <p:nvPr>
-            <p:ph type="subTitle" idx="1"/>
+            <a:fld id="{6EDEC3BC-0694-4586-AE63-02B4D54ABF43}" type="slidenum">
+              <a:rPr lang="en-US" smtClean="0"/>
+              <a:pPr/>
+              <a:t>7</a:t>
+            </a:fld>
+            <a:endParaRPr lang="en-US"/>
+          </a:p>
+        </p:txBody>
+      </p:sp>
+      <p:sp>
+        <p:nvSpPr>
+          <p:cNvPr id="5" name="Content Placeholder 4"/>
+          <p:cNvSpPr>
+            <a:spLocks noGrp="1"/>
+          </p:cNvSpPr>
+          <p:nvPr>
+            <p:ph sz="quarter" idx="1"/>
           </p:nvPr>
         </p:nvSpPr>
         <p:spPr/>
@@ -5308,7 +5468,7 @@
     </p:spTree>
     <p:extLst>
       <p:ext uri="{BB962C8B-B14F-4D97-AF65-F5344CB8AC3E}">
-        <p14:creationId xmlns:p14="http://schemas.microsoft.com/office/powerpoint/2010/main" val="3411918938"/>
+        <p14:creationId xmlns:p14="http://schemas.microsoft.com/office/powerpoint/2010/main" val="288780522"/>
       </p:ext>
     </p:extLst>
   </p:cSld>
@@ -5337,6 +5497,85 @@
       </p:grpSpPr>
       <p:sp>
         <p:nvSpPr>
+          <p:cNvPr id="2" name="כותרת 1"/>
+          <p:cNvSpPr>
+            <a:spLocks noGrp="1"/>
+          </p:cNvSpPr>
+          <p:nvPr>
+            <p:ph type="ctrTitle"/>
+          </p:nvPr>
+        </p:nvSpPr>
+        <p:spPr>
+          <a:xfrm>
+            <a:off x="1115616" y="476672"/>
+            <a:ext cx="7560840" cy="3024336"/>
+          </a:xfrm>
+        </p:spPr>
+        <p:txBody>
+          <a:bodyPr>
+            <a:normAutofit/>
+          </a:bodyPr>
+          <a:lstStyle/>
+          <a:p>
+            <a:r>
+              <a:rPr lang="en-US" sz="4800" b="1" dirty="0"/>
+              <a:t>Questions ?</a:t>
+            </a:r>
+            <a:endParaRPr lang="en-US" sz="4800" dirty="0"/>
+          </a:p>
+        </p:txBody>
+      </p:sp>
+      <p:sp>
+        <p:nvSpPr>
+          <p:cNvPr id="4" name="Subtitle 3"/>
+          <p:cNvSpPr>
+            <a:spLocks noGrp="1"/>
+          </p:cNvSpPr>
+          <p:nvPr>
+            <p:ph type="subTitle" idx="1"/>
+          </p:nvPr>
+        </p:nvSpPr>
+        <p:spPr/>
+        <p:txBody>
+          <a:bodyPr/>
+          <a:lstStyle/>
+          <a:p>
+            <a:endParaRPr lang="en-US"/>
+          </a:p>
+        </p:txBody>
+      </p:sp>
+    </p:spTree>
+    <p:extLst>
+      <p:ext uri="{BB962C8B-B14F-4D97-AF65-F5344CB8AC3E}">
+        <p14:creationId xmlns:p14="http://schemas.microsoft.com/office/powerpoint/2010/main" val="3411918938"/>
+      </p:ext>
+    </p:extLst>
+  </p:cSld>
+  <p:clrMapOvr>
+    <a:masterClrMapping/>
+  </p:clrMapOvr>
+</p:sld>
+</file>
+
+<file path=ppt/slides/slide9.xml><?xml version="1.0" encoding="utf-8"?>
+<p:sld xmlns:a="http://schemas.openxmlformats.org/drawingml/2006/main" xmlns:r="http://schemas.openxmlformats.org/officeDocument/2006/relationships" xmlns:p="http://schemas.openxmlformats.org/presentationml/2006/main">
+  <p:cSld>
+    <p:spTree>
+      <p:nvGrpSpPr>
+        <p:cNvPr id="1" name=""/>
+        <p:cNvGrpSpPr/>
+        <p:nvPr/>
+      </p:nvGrpSpPr>
+      <p:grpSpPr>
+        <a:xfrm>
+          <a:off x="0" y="0"/>
+          <a:ext cx="0" cy="0"/>
+          <a:chOff x="0" y="0"/>
+          <a:chExt cx="0" cy="0"/>
+        </a:xfrm>
+      </p:grpSpPr>
+      <p:sp>
+        <p:nvSpPr>
           <p:cNvPr id="2" name="Title 1">
             <a:extLst>
               <a:ext uri="{FF2B5EF4-FFF2-40B4-BE49-F238E27FC236}">
@@ -5419,7 +5658,7 @@
             <a:fld id="{6EDEC3BC-0694-4586-AE63-02B4D54ABF43}" type="slidenum">
               <a:rPr lang="en-US" smtClean="0"/>
               <a:pPr/>
-              <a:t>8</a:t>
+              <a:t>9</a:t>
             </a:fld>
             <a:endParaRPr lang="en-US"/>
           </a:p>
